--- a/Dokumente/AbschlussPräsi.pptx
+++ b/Dokumente/AbschlussPräsi.pptx
@@ -198,7 +198,8 @@
           <a:p>
             <a:fld id="{DDAC6613-C5DF-49F7-B06C-DFFB31F6D434}" type="datetimeFigureOut">
               <a:rPr lang="de-DE" smtClean="0"/>
-              <a:t>22.09.2013</a:t>
+              <a:pPr/>
+              <a:t>23.09.2013</a:t>
             </a:fld>
             <a:endParaRPr lang="de-DE"/>
           </a:p>
@@ -264,6 +265,7 @@
           <a:p>
             <a:fld id="{D810A3E9-DA08-4611-A35A-395E359759C7}" type="slidenum">
               <a:rPr lang="de-DE" smtClean="0"/>
+              <a:pPr/>
               <a:t>‹Nr.›</a:t>
             </a:fld>
             <a:endParaRPr lang="de-DE"/>
@@ -273,7 +275,7 @@
     </p:spTree>
     <p:extLst>
       <p:ext uri="{BB962C8B-B14F-4D97-AF65-F5344CB8AC3E}">
-        <p14:creationId xmlns:p14="http://schemas.microsoft.com/office/powerpoint/2010/main" val="3050343431"/>
+        <p14:creationId xmlns:p14="http://schemas.microsoft.com/office/powerpoint/2010/main" xmlns="" val="3050343431"/>
       </p:ext>
     </p:extLst>
   </p:cSld>
@@ -363,7 +365,8 @@
           <a:p>
             <a:fld id="{2C32D87F-F54F-4062-BD0C-5D541CF8FC09}" type="datetimeFigureOut">
               <a:rPr lang="de-DE" smtClean="0"/>
-              <a:t>22.09.2013</a:t>
+              <a:pPr/>
+              <a:t>23.09.2013</a:t>
             </a:fld>
             <a:endParaRPr lang="de-DE"/>
           </a:p>
@@ -522,6 +525,7 @@
           <a:p>
             <a:fld id="{052735EF-AE87-4C75-9634-3A1A35F62FC8}" type="slidenum">
               <a:rPr lang="de-DE" smtClean="0"/>
+              <a:pPr/>
               <a:t>‹Nr.›</a:t>
             </a:fld>
             <a:endParaRPr lang="de-DE"/>
@@ -531,7 +535,7 @@
     </p:spTree>
     <p:extLst>
       <p:ext uri="{BB962C8B-B14F-4D97-AF65-F5344CB8AC3E}">
-        <p14:creationId xmlns:p14="http://schemas.microsoft.com/office/powerpoint/2010/main" val="2577506647"/>
+        <p14:creationId xmlns:p14="http://schemas.microsoft.com/office/powerpoint/2010/main" xmlns="" val="2577506647"/>
       </p:ext>
     </p:extLst>
   </p:cSld>
@@ -696,6 +700,7 @@
           <a:p>
             <a:fld id="{052735EF-AE87-4C75-9634-3A1A35F62FC8}" type="slidenum">
               <a:rPr lang="de-DE" smtClean="0"/>
+              <a:pPr/>
               <a:t>1</a:t>
             </a:fld>
             <a:endParaRPr lang="de-DE"/>
@@ -705,7 +710,7 @@
     </p:spTree>
     <p:extLst>
       <p:ext uri="{BB962C8B-B14F-4D97-AF65-F5344CB8AC3E}">
-        <p14:creationId xmlns:p14="http://schemas.microsoft.com/office/powerpoint/2010/main" val="1284841748"/>
+        <p14:creationId xmlns:p14="http://schemas.microsoft.com/office/powerpoint/2010/main" xmlns="" val="1284841748"/>
       </p:ext>
     </p:extLst>
   </p:cSld>
@@ -721,7 +726,7 @@
     <p:bg>
       <p:bgPr>
         <a:blipFill dpi="0" rotWithShape="1">
-          <a:blip r:embed="rId2">
+          <a:blip r:embed="rId2" cstate="print">
             <a:lum/>
           </a:blip>
           <a:srcRect/>
@@ -914,7 +919,8 @@
           <a:p>
             <a:fld id="{8AAAAEF1-51B4-49B0-93C0-95A6DFBD7498}" type="datetime1">
               <a:rPr lang="de-DE" smtClean="0"/>
-              <a:t>22.09.2013</a:t>
+              <a:pPr/>
+              <a:t>23.09.2013</a:t>
             </a:fld>
             <a:endParaRPr lang="de-DE"/>
           </a:p>
@@ -942,7 +948,7 @@
     </p:spTree>
     <p:extLst>
       <p:ext uri="{BB962C8B-B14F-4D97-AF65-F5344CB8AC3E}">
-        <p14:creationId xmlns:p14="http://schemas.microsoft.com/office/powerpoint/2010/main" val="1665470002"/>
+        <p14:creationId xmlns:p14="http://schemas.microsoft.com/office/powerpoint/2010/main" xmlns="" val="1665470002"/>
       </p:ext>
     </p:extLst>
   </p:cSld>
@@ -1068,7 +1074,8 @@
           <a:p>
             <a:fld id="{80F97665-C7ED-4265-A591-B44D7621DFFE}" type="datetime1">
               <a:rPr lang="de-DE" smtClean="0"/>
-              <a:t>22.09.2013</a:t>
+              <a:pPr/>
+              <a:t>23.09.2013</a:t>
             </a:fld>
             <a:endParaRPr lang="de-DE"/>
           </a:p>
@@ -1110,6 +1117,7 @@
           <a:p>
             <a:fld id="{80721A91-BDB7-49A1-AC7D-405753069E38}" type="slidenum">
               <a:rPr lang="de-DE" smtClean="0"/>
+              <a:pPr/>
               <a:t>‹Nr.›</a:t>
             </a:fld>
             <a:endParaRPr lang="de-DE"/>
@@ -1119,7 +1127,7 @@
     </p:spTree>
     <p:extLst>
       <p:ext uri="{BB962C8B-B14F-4D97-AF65-F5344CB8AC3E}">
-        <p14:creationId xmlns:p14="http://schemas.microsoft.com/office/powerpoint/2010/main" val="2395561169"/>
+        <p14:creationId xmlns:p14="http://schemas.microsoft.com/office/powerpoint/2010/main" xmlns="" val="2395561169"/>
       </p:ext>
     </p:extLst>
   </p:cSld>
@@ -1255,7 +1263,8 @@
           <a:p>
             <a:fld id="{359E304B-9178-4AAE-BF3E-DEDAE7AE0A61}" type="datetime1">
               <a:rPr lang="de-DE" smtClean="0"/>
-              <a:t>22.09.2013</a:t>
+              <a:pPr/>
+              <a:t>23.09.2013</a:t>
             </a:fld>
             <a:endParaRPr lang="de-DE"/>
           </a:p>
@@ -1297,6 +1306,7 @@
           <a:p>
             <a:fld id="{80721A91-BDB7-49A1-AC7D-405753069E38}" type="slidenum">
               <a:rPr lang="de-DE" smtClean="0"/>
+              <a:pPr/>
               <a:t>‹Nr.›</a:t>
             </a:fld>
             <a:endParaRPr lang="de-DE"/>
@@ -1306,7 +1316,7 @@
     </p:spTree>
     <p:extLst>
       <p:ext uri="{BB962C8B-B14F-4D97-AF65-F5344CB8AC3E}">
-        <p14:creationId xmlns:p14="http://schemas.microsoft.com/office/powerpoint/2010/main" val="1450006908"/>
+        <p14:creationId xmlns:p14="http://schemas.microsoft.com/office/powerpoint/2010/main" xmlns="" val="1450006908"/>
       </p:ext>
     </p:extLst>
   </p:cSld>
@@ -1432,7 +1442,8 @@
           <a:p>
             <a:fld id="{5875CBF1-D9AC-4C63-A5A0-665006DC4AAB}" type="datetime1">
               <a:rPr lang="de-DE" smtClean="0"/>
-              <a:t>22.09.2013</a:t>
+              <a:pPr/>
+              <a:t>23.09.2013</a:t>
             </a:fld>
             <a:endParaRPr lang="de-DE"/>
           </a:p>
@@ -1474,6 +1485,7 @@
           <a:p>
             <a:fld id="{80721A91-BDB7-49A1-AC7D-405753069E38}" type="slidenum">
               <a:rPr lang="de-DE" smtClean="0"/>
+              <a:pPr/>
               <a:t>‹Nr.›</a:t>
             </a:fld>
             <a:endParaRPr lang="de-DE" dirty="0"/>
@@ -1483,7 +1495,7 @@
     </p:spTree>
     <p:extLst>
       <p:ext uri="{BB962C8B-B14F-4D97-AF65-F5344CB8AC3E}">
-        <p14:creationId xmlns:p14="http://schemas.microsoft.com/office/powerpoint/2010/main" val="1023382718"/>
+        <p14:creationId xmlns:p14="http://schemas.microsoft.com/office/powerpoint/2010/main" xmlns="" val="1023382718"/>
       </p:ext>
     </p:extLst>
   </p:cSld>
@@ -1506,7 +1518,7 @@
     <p:bg>
       <p:bgPr>
         <a:blipFill dpi="0" rotWithShape="1">
-          <a:blip r:embed="rId2">
+          <a:blip r:embed="rId2" cstate="print">
             <a:lum/>
           </a:blip>
           <a:srcRect/>
@@ -1699,7 +1711,8 @@
           <a:p>
             <a:fld id="{926C3190-C13E-405F-BEDD-7086FA91BFD0}" type="datetime1">
               <a:rPr lang="de-DE" smtClean="0"/>
-              <a:t>22.09.2013</a:t>
+              <a:pPr/>
+              <a:t>23.09.2013</a:t>
             </a:fld>
             <a:endParaRPr lang="de-DE"/>
           </a:p>
@@ -1727,7 +1740,7 @@
     </p:spTree>
     <p:extLst>
       <p:ext uri="{BB962C8B-B14F-4D97-AF65-F5344CB8AC3E}">
-        <p14:creationId xmlns:p14="http://schemas.microsoft.com/office/powerpoint/2010/main" val="2483426005"/>
+        <p14:creationId xmlns:p14="http://schemas.microsoft.com/office/powerpoint/2010/main" xmlns="" val="2483426005"/>
       </p:ext>
     </p:extLst>
   </p:cSld>
@@ -1971,7 +1984,8 @@
           <a:p>
             <a:fld id="{7CCAF1EF-871D-465E-8975-E4D8CF9D1D9F}" type="datetime1">
               <a:rPr lang="de-DE" smtClean="0"/>
-              <a:t>22.09.2013</a:t>
+              <a:pPr/>
+              <a:t>23.09.2013</a:t>
             </a:fld>
             <a:endParaRPr lang="de-DE"/>
           </a:p>
@@ -2013,6 +2027,7 @@
           <a:p>
             <a:fld id="{80721A91-BDB7-49A1-AC7D-405753069E38}" type="slidenum">
               <a:rPr lang="de-DE" smtClean="0"/>
+              <a:pPr/>
               <a:t>‹Nr.›</a:t>
             </a:fld>
             <a:endParaRPr lang="de-DE"/>
@@ -2022,7 +2037,7 @@
     </p:spTree>
     <p:extLst>
       <p:ext uri="{BB962C8B-B14F-4D97-AF65-F5344CB8AC3E}">
-        <p14:creationId xmlns:p14="http://schemas.microsoft.com/office/powerpoint/2010/main" val="3970431886"/>
+        <p14:creationId xmlns:p14="http://schemas.microsoft.com/office/powerpoint/2010/main" xmlns="" val="3970431886"/>
       </p:ext>
     </p:extLst>
   </p:cSld>
@@ -2400,7 +2415,8 @@
           <a:p>
             <a:fld id="{86AD857F-9CB9-4AD3-A8D8-221B4DED606B}" type="datetime1">
               <a:rPr lang="de-DE" smtClean="0"/>
-              <a:t>22.09.2013</a:t>
+              <a:pPr/>
+              <a:t>23.09.2013</a:t>
             </a:fld>
             <a:endParaRPr lang="de-DE"/>
           </a:p>
@@ -2442,6 +2458,7 @@
           <a:p>
             <a:fld id="{80721A91-BDB7-49A1-AC7D-405753069E38}" type="slidenum">
               <a:rPr lang="de-DE" smtClean="0"/>
+              <a:pPr/>
               <a:t>‹Nr.›</a:t>
             </a:fld>
             <a:endParaRPr lang="de-DE"/>
@@ -2451,7 +2468,7 @@
     </p:spTree>
     <p:extLst>
       <p:ext uri="{BB962C8B-B14F-4D97-AF65-F5344CB8AC3E}">
-        <p14:creationId xmlns:p14="http://schemas.microsoft.com/office/powerpoint/2010/main" val="4062698374"/>
+        <p14:creationId xmlns:p14="http://schemas.microsoft.com/office/powerpoint/2010/main" xmlns="" val="4062698374"/>
       </p:ext>
     </p:extLst>
   </p:cSld>
@@ -2518,7 +2535,8 @@
           <a:p>
             <a:fld id="{F6A7C6A5-5189-47EE-9CE5-FE319462B3ED}" type="datetime1">
               <a:rPr lang="de-DE" smtClean="0"/>
-              <a:t>22.09.2013</a:t>
+              <a:pPr/>
+              <a:t>23.09.2013</a:t>
             </a:fld>
             <a:endParaRPr lang="de-DE"/>
           </a:p>
@@ -2560,6 +2578,7 @@
           <a:p>
             <a:fld id="{80721A91-BDB7-49A1-AC7D-405753069E38}" type="slidenum">
               <a:rPr lang="de-DE" smtClean="0"/>
+              <a:pPr/>
               <a:t>‹Nr.›</a:t>
             </a:fld>
             <a:endParaRPr lang="de-DE"/>
@@ -2569,7 +2588,7 @@
     </p:spTree>
     <p:extLst>
       <p:ext uri="{BB962C8B-B14F-4D97-AF65-F5344CB8AC3E}">
-        <p14:creationId xmlns:p14="http://schemas.microsoft.com/office/powerpoint/2010/main" val="2314025279"/>
+        <p14:creationId xmlns:p14="http://schemas.microsoft.com/office/powerpoint/2010/main" xmlns="" val="2314025279"/>
       </p:ext>
     </p:extLst>
   </p:cSld>
@@ -2620,7 +2639,8 @@
           <a:p>
             <a:fld id="{43DE9C83-DA2C-4B54-AC61-AC2C1426E72E}" type="datetime1">
               <a:rPr lang="de-DE" smtClean="0"/>
-              <a:t>22.09.2013</a:t>
+              <a:pPr/>
+              <a:t>23.09.2013</a:t>
             </a:fld>
             <a:endParaRPr lang="de-DE"/>
           </a:p>
@@ -2662,6 +2682,7 @@
           <a:p>
             <a:fld id="{80721A91-BDB7-49A1-AC7D-405753069E38}" type="slidenum">
               <a:rPr lang="de-DE" smtClean="0"/>
+              <a:pPr/>
               <a:t>‹Nr.›</a:t>
             </a:fld>
             <a:endParaRPr lang="de-DE"/>
@@ -2671,7 +2692,7 @@
     </p:spTree>
     <p:extLst>
       <p:ext uri="{BB962C8B-B14F-4D97-AF65-F5344CB8AC3E}">
-        <p14:creationId xmlns:p14="http://schemas.microsoft.com/office/powerpoint/2010/main" val="1052346170"/>
+        <p14:creationId xmlns:p14="http://schemas.microsoft.com/office/powerpoint/2010/main" xmlns="" val="1052346170"/>
       </p:ext>
     </p:extLst>
   </p:cSld>
@@ -2904,7 +2925,8 @@
           <a:p>
             <a:fld id="{88EE478D-0C1E-450C-810B-538C973DD10E}" type="datetime1">
               <a:rPr lang="de-DE" smtClean="0"/>
-              <a:t>22.09.2013</a:t>
+              <a:pPr/>
+              <a:t>23.09.2013</a:t>
             </a:fld>
             <a:endParaRPr lang="de-DE"/>
           </a:p>
@@ -2946,6 +2968,7 @@
           <a:p>
             <a:fld id="{80721A91-BDB7-49A1-AC7D-405753069E38}" type="slidenum">
               <a:rPr lang="de-DE" smtClean="0"/>
+              <a:pPr/>
               <a:t>‹Nr.›</a:t>
             </a:fld>
             <a:endParaRPr lang="de-DE"/>
@@ -2955,7 +2978,7 @@
     </p:spTree>
     <p:extLst>
       <p:ext uri="{BB962C8B-B14F-4D97-AF65-F5344CB8AC3E}">
-        <p14:creationId xmlns:p14="http://schemas.microsoft.com/office/powerpoint/2010/main" val="1317209443"/>
+        <p14:creationId xmlns:p14="http://schemas.microsoft.com/office/powerpoint/2010/main" xmlns="" val="1317209443"/>
       </p:ext>
     </p:extLst>
   </p:cSld>
@@ -3168,7 +3191,8 @@
           <a:p>
             <a:fld id="{282F670F-4938-4CCF-97DF-A306ADCD138D}" type="datetime1">
               <a:rPr lang="de-DE" smtClean="0"/>
-              <a:t>22.09.2013</a:t>
+              <a:pPr/>
+              <a:t>23.09.2013</a:t>
             </a:fld>
             <a:endParaRPr lang="de-DE"/>
           </a:p>
@@ -3210,6 +3234,7 @@
           <a:p>
             <a:fld id="{80721A91-BDB7-49A1-AC7D-405753069E38}" type="slidenum">
               <a:rPr lang="de-DE" smtClean="0"/>
+              <a:pPr/>
               <a:t>‹Nr.›</a:t>
             </a:fld>
             <a:endParaRPr lang="de-DE"/>
@@ -3219,7 +3244,7 @@
     </p:spTree>
     <p:extLst>
       <p:ext uri="{BB962C8B-B14F-4D97-AF65-F5344CB8AC3E}">
-        <p14:creationId xmlns:p14="http://schemas.microsoft.com/office/powerpoint/2010/main" val="1126586422"/>
+        <p14:creationId xmlns:p14="http://schemas.microsoft.com/office/powerpoint/2010/main" xmlns="" val="1126586422"/>
       </p:ext>
     </p:extLst>
   </p:cSld>
@@ -3242,7 +3267,7 @@
     <p:bg>
       <p:bgPr>
         <a:blipFill dpi="0" rotWithShape="1">
-          <a:blip r:embed="rId13">
+          <a:blip r:embed="rId13" cstate="print">
             <a:lum/>
           </a:blip>
           <a:srcRect/>
@@ -3397,7 +3422,8 @@
           <a:p>
             <a:fld id="{43DA9658-2380-4495-86AD-B7E6CAB8BF45}" type="datetime1">
               <a:rPr lang="de-DE" smtClean="0"/>
-              <a:t>22.09.2013</a:t>
+              <a:pPr/>
+              <a:t>23.09.2013</a:t>
             </a:fld>
             <a:endParaRPr lang="de-DE"/>
           </a:p>
@@ -3483,7 +3509,7 @@
     </p:spTree>
     <p:extLst>
       <p:ext uri="{BB962C8B-B14F-4D97-AF65-F5344CB8AC3E}">
-        <p14:creationId xmlns:p14="http://schemas.microsoft.com/office/powerpoint/2010/main" val="2487560415"/>
+        <p14:creationId xmlns:p14="http://schemas.microsoft.com/office/powerpoint/2010/main" xmlns="" val="2487560415"/>
       </p:ext>
     </p:extLst>
   </p:cSld>
@@ -3841,10 +3867,10 @@
           <p:nvPr/>
         </p:nvPicPr>
         <p:blipFill>
-          <a:blip r:embed="rId3">
+          <a:blip r:embed="rId3" cstate="print">
             <a:extLst>
               <a:ext uri="{28A0092B-C50C-407E-A947-70E740481C1C}">
-                <a14:useLocalDpi xmlns:a14="http://schemas.microsoft.com/office/drawing/2010/main" val="0"/>
+                <a14:useLocalDpi xmlns:a14="http://schemas.microsoft.com/office/drawing/2010/main" xmlns="" val="0"/>
               </a:ext>
             </a:extLst>
           </a:blip>
@@ -3864,7 +3890,7 @@
           <a:noFill/>
           <a:extLst>
             <a:ext uri="{909E8E84-426E-40DD-AFC4-6F175D3DCCD1}">
-              <a14:hiddenFill xmlns:a14="http://schemas.microsoft.com/office/drawing/2010/main">
+              <a14:hiddenFill xmlns:a14="http://schemas.microsoft.com/office/drawing/2010/main" xmlns="">
                 <a:solidFill>
                   <a:srgbClr val="FFFFFF"/>
                 </a:solidFill>
@@ -3876,7 +3902,7 @@
     </p:spTree>
     <p:extLst>
       <p:ext uri="{BB962C8B-B14F-4D97-AF65-F5344CB8AC3E}">
-        <p14:creationId xmlns:p14="http://schemas.microsoft.com/office/powerpoint/2010/main" val="1641468423"/>
+        <p14:creationId xmlns:p14="http://schemas.microsoft.com/office/powerpoint/2010/main" xmlns="" val="1641468423"/>
       </p:ext>
     </p:extLst>
   </p:cSld>
@@ -4069,6 +4095,7 @@
           <a:p>
             <a:fld id="{80721A91-BDB7-49A1-AC7D-405753069E38}" type="slidenum">
               <a:rPr lang="de-DE" smtClean="0"/>
+              <a:pPr/>
               <a:t>2</a:t>
             </a:fld>
             <a:endParaRPr lang="de-DE" dirty="0"/>
@@ -4078,7 +4105,7 @@
     </p:spTree>
     <p:extLst>
       <p:ext uri="{BB962C8B-B14F-4D97-AF65-F5344CB8AC3E}">
-        <p14:creationId xmlns:p14="http://schemas.microsoft.com/office/powerpoint/2010/main" val="2609898532"/>
+        <p14:creationId xmlns:p14="http://schemas.microsoft.com/office/powerpoint/2010/main" xmlns="" val="2609898532"/>
       </p:ext>
     </p:extLst>
   </p:cSld>
@@ -4221,6 +4248,7 @@
           <a:p>
             <a:fld id="{80721A91-BDB7-49A1-AC7D-405753069E38}" type="slidenum">
               <a:rPr lang="de-DE" smtClean="0"/>
+              <a:pPr/>
               <a:t>3</a:t>
             </a:fld>
             <a:endParaRPr lang="de-DE" dirty="0"/>
@@ -4236,10 +4264,10 @@
           <p:nvPr/>
         </p:nvPicPr>
         <p:blipFill>
-          <a:blip r:embed="rId2">
+          <a:blip r:embed="rId2" cstate="print">
             <a:extLst>
               <a:ext uri="{28A0092B-C50C-407E-A947-70E740481C1C}">
-                <a14:useLocalDpi xmlns:a14="http://schemas.microsoft.com/office/drawing/2010/main" val="0"/>
+                <a14:useLocalDpi xmlns:a14="http://schemas.microsoft.com/office/drawing/2010/main" xmlns="" val="0"/>
               </a:ext>
             </a:extLst>
           </a:blip>
@@ -4259,7 +4287,7 @@
           <a:noFill/>
           <a:extLst>
             <a:ext uri="{909E8E84-426E-40DD-AFC4-6F175D3DCCD1}">
-              <a14:hiddenFill xmlns:a14="http://schemas.microsoft.com/office/drawing/2010/main">
+              <a14:hiddenFill xmlns:a14="http://schemas.microsoft.com/office/drawing/2010/main" xmlns="">
                 <a:solidFill>
                   <a:srgbClr val="FFFFFF"/>
                 </a:solidFill>
@@ -4271,7 +4299,7 @@
     </p:spTree>
     <p:extLst>
       <p:ext uri="{BB962C8B-B14F-4D97-AF65-F5344CB8AC3E}">
-        <p14:creationId xmlns:p14="http://schemas.microsoft.com/office/powerpoint/2010/main" val="2168223678"/>
+        <p14:creationId xmlns:p14="http://schemas.microsoft.com/office/powerpoint/2010/main" xmlns="" val="2168223678"/>
       </p:ext>
     </p:extLst>
   </p:cSld>
@@ -4401,7 +4429,15 @@
             </a:pPr>
             <a:r>
               <a:rPr lang="de-DE" i="1" dirty="0" smtClean="0"/>
-              <a:t>Wir haben gemeinsam ein tolles Spiel entwickelt, dass uns und anderen Leuten viel Spaß macht!</a:t>
+              <a:t>Wir haben gemeinsam ein tolles Spiel entwickelt, </a:t>
+            </a:r>
+            <a:r>
+              <a:rPr lang="de-DE" i="1" dirty="0" smtClean="0"/>
+              <a:t>das </a:t>
+            </a:r>
+            <a:r>
+              <a:rPr lang="de-DE" i="1" dirty="0" smtClean="0"/>
+              <a:t>uns und anderen Leuten viel Spaß macht!</a:t>
             </a:r>
           </a:p>
           <a:p>
@@ -4443,6 +4479,7 @@
           <a:p>
             <a:fld id="{80721A91-BDB7-49A1-AC7D-405753069E38}" type="slidenum">
               <a:rPr lang="de-DE" smtClean="0"/>
+              <a:pPr/>
               <a:t>4</a:t>
             </a:fld>
             <a:endParaRPr lang="de-DE" dirty="0"/>
@@ -4452,7 +4489,7 @@
     </p:spTree>
     <p:extLst>
       <p:ext uri="{BB962C8B-B14F-4D97-AF65-F5344CB8AC3E}">
-        <p14:creationId xmlns:p14="http://schemas.microsoft.com/office/powerpoint/2010/main" val="3904583096"/>
+        <p14:creationId xmlns:p14="http://schemas.microsoft.com/office/powerpoint/2010/main" xmlns="" val="3904583096"/>
       </p:ext>
     </p:extLst>
   </p:cSld>
